--- a/src/SE_ELAN_offline/Stimuli/Instructions_new.pptx
+++ b/src/SE_ELAN_offline/Stimuli/Instructions_new.pptx
@@ -296,7 +296,7 @@
           <a:p>
             <a:fld id="{756993CC-A683-496E-881E-006544134775}" type="slidenum">
               <a:rPr lang="en-GB" smtClean="0"/>
-              <a:t>‹N°›</a:t>
+              <a:t>‹#›</a:t>
             </a:fld>
             <a:endParaRPr lang="en-GB"/>
           </a:p>
@@ -486,7 +486,7 @@
           <a:p>
             <a:fld id="{9D7F7A4F-C86B-4E97-8396-79EF10BBD040}" type="slidenum">
               <a:rPr lang="en-GB" smtClean="0"/>
-              <a:t>‹N°›</a:t>
+              <a:t>‹#›</a:t>
             </a:fld>
             <a:endParaRPr lang="en-GB" dirty="0"/>
           </a:p>
@@ -656,7 +656,7 @@
           <a:p>
             <a:fld id="{9D7F7A4F-C86B-4E97-8396-79EF10BBD040}" type="slidenum">
               <a:rPr lang="en-GB" smtClean="0"/>
-              <a:t>‹N°›</a:t>
+              <a:t>‹#›</a:t>
             </a:fld>
             <a:endParaRPr lang="en-GB" dirty="0"/>
           </a:p>
@@ -836,7 +836,7 @@
           <a:p>
             <a:fld id="{9D7F7A4F-C86B-4E97-8396-79EF10BBD040}" type="slidenum">
               <a:rPr lang="en-GB" smtClean="0"/>
-              <a:t>‹N°›</a:t>
+              <a:t>‹#›</a:t>
             </a:fld>
             <a:endParaRPr lang="en-GB" dirty="0"/>
           </a:p>
@@ -1006,7 +1006,7 @@
           <a:p>
             <a:fld id="{9D7F7A4F-C86B-4E97-8396-79EF10BBD040}" type="slidenum">
               <a:rPr lang="en-GB" smtClean="0"/>
-              <a:t>‹N°›</a:t>
+              <a:t>‹#›</a:t>
             </a:fld>
             <a:endParaRPr lang="en-GB" dirty="0"/>
           </a:p>
@@ -1252,7 +1252,7 @@
           <a:p>
             <a:fld id="{9D7F7A4F-C86B-4E97-8396-79EF10BBD040}" type="slidenum">
               <a:rPr lang="en-GB" smtClean="0"/>
-              <a:t>‹N°›</a:t>
+              <a:t>‹#›</a:t>
             </a:fld>
             <a:endParaRPr lang="en-GB" dirty="0"/>
           </a:p>
@@ -1484,7 +1484,7 @@
           <a:p>
             <a:fld id="{9D7F7A4F-C86B-4E97-8396-79EF10BBD040}" type="slidenum">
               <a:rPr lang="en-GB" smtClean="0"/>
-              <a:t>‹N°›</a:t>
+              <a:t>‹#›</a:t>
             </a:fld>
             <a:endParaRPr lang="en-GB" dirty="0"/>
           </a:p>
@@ -1851,7 +1851,7 @@
           <a:p>
             <a:fld id="{9D7F7A4F-C86B-4E97-8396-79EF10BBD040}" type="slidenum">
               <a:rPr lang="en-GB" smtClean="0"/>
-              <a:t>‹N°›</a:t>
+              <a:t>‹#›</a:t>
             </a:fld>
             <a:endParaRPr lang="en-GB" dirty="0"/>
           </a:p>
@@ -1969,7 +1969,7 @@
           <a:p>
             <a:fld id="{9D7F7A4F-C86B-4E97-8396-79EF10BBD040}" type="slidenum">
               <a:rPr lang="en-GB" smtClean="0"/>
-              <a:t>‹N°›</a:t>
+              <a:t>‹#›</a:t>
             </a:fld>
             <a:endParaRPr lang="en-GB" dirty="0"/>
           </a:p>
@@ -2064,7 +2064,7 @@
           <a:p>
             <a:fld id="{9D7F7A4F-C86B-4E97-8396-79EF10BBD040}" type="slidenum">
               <a:rPr lang="en-GB" smtClean="0"/>
-              <a:t>‹N°›</a:t>
+              <a:t>‹#›</a:t>
             </a:fld>
             <a:endParaRPr lang="en-GB" dirty="0"/>
           </a:p>
@@ -2341,7 +2341,7 @@
           <a:p>
             <a:fld id="{9D7F7A4F-C86B-4E97-8396-79EF10BBD040}" type="slidenum">
               <a:rPr lang="en-GB" smtClean="0"/>
-              <a:t>‹N°›</a:t>
+              <a:t>‹#›</a:t>
             </a:fld>
             <a:endParaRPr lang="en-GB" dirty="0"/>
           </a:p>
@@ -2594,7 +2594,7 @@
           <a:p>
             <a:fld id="{9D7F7A4F-C86B-4E97-8396-79EF10BBD040}" type="slidenum">
               <a:rPr lang="en-GB" smtClean="0"/>
-              <a:t>‹N°›</a:t>
+              <a:t>‹#›</a:t>
             </a:fld>
             <a:endParaRPr lang="en-GB" dirty="0"/>
           </a:p>
@@ -2843,7 +2843,7 @@
           <a:p>
             <a:fld id="{9D7F7A4F-C86B-4E97-8396-79EF10BBD040}" type="slidenum">
               <a:rPr lang="en-GB" smtClean="0"/>
-              <a:t>‹N°›</a:t>
+              <a:t>‹#›</a:t>
             </a:fld>
             <a:endParaRPr lang="en-GB" dirty="0"/>
           </a:p>
@@ -10213,7 +10213,7 @@
         <p:spPr>
           <a:xfrm>
             <a:off x="1874195" y="2279533"/>
-            <a:ext cx="8443609" cy="2769989"/>
+            <a:ext cx="8443609" cy="3139321"/>
           </a:xfrm>
           <a:prstGeom prst="rect">
             <a:avLst/>
@@ -10232,7 +10232,7 @@
               </a:spcAft>
             </a:pPr>
             <a:r>
-              <a:rPr lang="en-GB" sz="2400" dirty="0" smtClean="0"/>
+              <a:rPr lang="en-GB" sz="2400" dirty="0"/>
               <a:t>Attention !</a:t>
             </a:r>
           </a:p>
@@ -10243,16 +10243,12 @@
               </a:spcAft>
             </a:pPr>
             <a:r>
-              <a:rPr lang="fr-FR" sz="2400" dirty="0" smtClean="0"/>
-              <a:t>Vous </a:t>
-            </a:r>
-            <a:r>
               <a:rPr lang="fr-FR" sz="2400" dirty="0"/>
-              <a:t>ne pourrez faire qu'autant de suppositions que le score cible pour </a:t>
-            </a:r>
-            <a:r>
-              <a:rPr lang="fr-FR" sz="2400" dirty="0" smtClean="0"/>
-              <a:t>l'exercice.</a:t>
+              <a:t>Vous pourrez choisir les paires sur lesquelles nous vous testerons, mais le nombre de paires testées sera limité par le score cible de l’exercice</a:t>
+            </a:r>
+            <a:r>
+              <a:rPr lang="fr-FR" sz="2400"/>
+              <a:t>. </a:t>
             </a:r>
           </a:p>
           <a:p>
@@ -10262,8 +10258,12 @@
               </a:spcAft>
             </a:pPr>
             <a:r>
-              <a:rPr lang="fr-FR" sz="2400" dirty="0" smtClean="0"/>
-              <a:t>Par exemple, si le score cible d’une exercice est 6, vous ne pourrez cliquer que 6 fois sur la grille.</a:t>
+              <a:rPr lang="fr-FR" sz="2400"/>
+              <a:t>Par </a:t>
+            </a:r>
+            <a:r>
+              <a:rPr lang="fr-FR" sz="2400" dirty="0"/>
+              <a:t>exemple, si le score cible d’une exercice est 6, vous ne pourrez cliquer que 6 fois sur la grille.</a:t>
             </a:r>
             <a:endParaRPr lang="en-GB" sz="2400" dirty="0"/>
           </a:p>
@@ -10274,10 +10274,9 @@
               </a:spcAft>
             </a:pPr>
             <a:r>
-              <a:rPr lang="en-GB" sz="2400" dirty="0" smtClean="0"/>
+              <a:rPr lang="en-GB" sz="2400" dirty="0"/>
               <a:t> </a:t>
             </a:r>
-            <a:endParaRPr lang="en-GB" sz="2400" dirty="0"/>
           </a:p>
         </p:txBody>
       </p:sp>
@@ -14731,29 +14730,8 @@
             </a:pPr>
             <a:r>
               <a:rPr lang="fr-FR" sz="2400" dirty="0"/>
-              <a:t>Certains exercices vous paraîtront faciles, parce que le score cible sera faible (4 </a:t>
-            </a:r>
-            <a:r>
-              <a:rPr lang="fr-FR" sz="2400" dirty="0" smtClean="0"/>
-              <a:t>ou 5 par </a:t>
-            </a:r>
-            <a:r>
-              <a:rPr lang="fr-FR" sz="2400" dirty="0"/>
-              <a:t>exemple). D’autres vous paraîtront plus difficiles, parce que le score cible sera élevé </a:t>
-            </a:r>
-            <a:r>
-              <a:rPr lang="fr-FR" sz="2400" dirty="0" smtClean="0"/>
-              <a:t>(6 </a:t>
-            </a:r>
-            <a:r>
-              <a:rPr lang="fr-FR" sz="2400" dirty="0"/>
-              <a:t>ou </a:t>
-            </a:r>
-            <a:r>
-              <a:rPr lang="fr-FR" sz="2400" dirty="0" smtClean="0"/>
-              <a:t>7). </a:t>
-            </a:r>
-            <a:endParaRPr lang="fr-FR" sz="2400" dirty="0"/>
+              <a:t>Certains exercices vous paraîtront faciles, parce que le score cible sera faible (4 ou 5 par exemple). D’autres vous paraîtront plus difficiles, parce que le score cible sera élevé (6 ou 7). </a:t>
+            </a:r>
           </a:p>
           <a:p>
             <a:pPr algn="ctr">
@@ -14944,11 +14922,7 @@
             </a:r>
             <a:r>
               <a:rPr lang="en-GB" sz="2400" dirty="0"/>
-              <a:t> </a:t>
-            </a:r>
-            <a:r>
-              <a:rPr lang="en-GB" sz="2400" dirty="0" smtClean="0"/>
-              <a:t>12 </a:t>
+              <a:t> 12 </a:t>
             </a:r>
             <a:r>
               <a:rPr lang="fr-FR" sz="2400" dirty="0"/>

--- a/src/SE_ELAN_offline/Stimuli/Instructions_new.pptx
+++ b/src/SE_ELAN_offline/Stimuli/Instructions_new.pptx
@@ -10564,6 +10564,60 @@
               </a:rPr>
               <a:t>ETAPE 4 - PHASE DE TEST</a:t>
             </a:r>
+          </a:p>
+        </p:txBody>
+      </p:sp>
+      <p:sp>
+        <p:nvSpPr>
+          <p:cNvPr id="2" name="Rectangle 1">
+            <a:extLst>
+              <a:ext uri="{FF2B5EF4-FFF2-40B4-BE49-F238E27FC236}">
+                <a16:creationId xmlns:a16="http://schemas.microsoft.com/office/drawing/2014/main" id="{F0984CF9-3CC3-497A-AE3D-CF0D229DA277}"/>
+              </a:ext>
+            </a:extLst>
+          </p:cNvPr>
+          <p:cNvSpPr/>
+          <p:nvPr/>
+        </p:nvSpPr>
+        <p:spPr>
+          <a:xfrm>
+            <a:off x="5511522" y="5541666"/>
+            <a:ext cx="2873828" cy="492369"/>
+          </a:xfrm>
+          <a:prstGeom prst="rect">
+            <a:avLst/>
+          </a:prstGeom>
+          <a:solidFill>
+            <a:schemeClr val="bg1"/>
+          </a:solidFill>
+          <a:ln>
+            <a:solidFill>
+              <a:schemeClr val="bg1"/>
+            </a:solidFill>
+          </a:ln>
+        </p:spPr>
+        <p:style>
+          <a:lnRef idx="2">
+            <a:schemeClr val="accent1">
+              <a:shade val="50000"/>
+            </a:schemeClr>
+          </a:lnRef>
+          <a:fillRef idx="1">
+            <a:schemeClr val="accent1"/>
+          </a:fillRef>
+          <a:effectRef idx="0">
+            <a:schemeClr val="accent1"/>
+          </a:effectRef>
+          <a:fontRef idx="minor">
+            <a:schemeClr val="lt1"/>
+          </a:fontRef>
+        </p:style>
+        <p:txBody>
+          <a:bodyPr rtlCol="0" anchor="ctr"/>
+          <a:lstStyle/>
+          <a:p>
+            <a:pPr algn="ctr"/>
+            <a:endParaRPr lang="en-GB"/>
           </a:p>
         </p:txBody>
       </p:sp>
